--- a/Presentaciones/Swell - Optimización de estrategias - R3 (03-03-2021).pptx
+++ b/Presentaciones/Swell - Optimización de estrategias - R3 (03-03-2021).pptx
@@ -5,43 +5,45 @@
     <p:sldMasterId id="2147483676" r:id="rId1"/>
   </p:sldMasterIdLst>
   <p:notesMasterIdLst>
-    <p:notesMasterId r:id="rId9"/>
+    <p:notesMasterId r:id="rId11"/>
   </p:notesMasterIdLst>
   <p:handoutMasterIdLst>
-    <p:handoutMasterId r:id="rId10"/>
+    <p:handoutMasterId r:id="rId12"/>
   </p:handoutMasterIdLst>
   <p:sldIdLst>
     <p:sldId id="401" r:id="rId2"/>
     <p:sldId id="402" r:id="rId3"/>
     <p:sldId id="403" r:id="rId4"/>
     <p:sldId id="383" r:id="rId5"/>
-    <p:sldId id="400" r:id="rId6"/>
-    <p:sldId id="404" r:id="rId7"/>
-    <p:sldId id="371" r:id="rId8"/>
+    <p:sldId id="405" r:id="rId6"/>
+    <p:sldId id="400" r:id="rId7"/>
+    <p:sldId id="404" r:id="rId8"/>
+    <p:sldId id="406" r:id="rId9"/>
+    <p:sldId id="371" r:id="rId10"/>
   </p:sldIdLst>
   <p:sldSz cx="9144000" cy="5143500" type="screen16x9"/>
   <p:notesSz cx="6858000" cy="9144000"/>
   <p:embeddedFontLst>
     <p:embeddedFont>
       <p:font typeface="Montserrat" panose="020B0604020202020204" charset="0"/>
-      <p:regular r:id="rId11"/>
-      <p:bold r:id="rId12"/>
-      <p:italic r:id="rId13"/>
-      <p:boldItalic r:id="rId14"/>
+      <p:regular r:id="rId13"/>
+      <p:bold r:id="rId14"/>
+      <p:italic r:id="rId15"/>
+      <p:boldItalic r:id="rId16"/>
     </p:embeddedFont>
     <p:embeddedFont>
       <p:font typeface="Montserrat Medium" panose="020B0604020202020204" charset="0"/>
-      <p:regular r:id="rId15"/>
-      <p:bold r:id="rId16"/>
-      <p:italic r:id="rId17"/>
-      <p:boldItalic r:id="rId18"/>
+      <p:regular r:id="rId17"/>
+      <p:bold r:id="rId18"/>
+      <p:italic r:id="rId19"/>
+      <p:boldItalic r:id="rId20"/>
     </p:embeddedFont>
     <p:embeddedFont>
       <p:font typeface="Open Sans" panose="020B0604020202020204" charset="0"/>
-      <p:regular r:id="rId19"/>
-      <p:bold r:id="rId20"/>
-      <p:italic r:id="rId21"/>
-      <p:boldItalic r:id="rId22"/>
+      <p:regular r:id="rId21"/>
+      <p:bold r:id="rId22"/>
+      <p:italic r:id="rId23"/>
+      <p:boldItalic r:id="rId24"/>
     </p:embeddedFont>
   </p:embeddedFontLst>
   <p:defaultTextStyle>
@@ -401,7 +403,7 @@
           <a:p>
             <a:fld id="{58996DD2-7C55-401B-B490-511405823B84}" type="datetimeFigureOut">
               <a:rPr lang="en-US" smtClean="0"/>
-              <a:t>3/2/2021</a:t>
+              <a:t>3/3/2021</a:t>
             </a:fld>
             <a:endParaRPr lang="en-US"/>
           </a:p>
@@ -7691,7 +7693,7 @@
                 <a:cs typeface="Open Sans" panose="020B0604020202020204" charset="0"/>
                 <a:sym typeface="Lato"/>
               </a:rPr>
-              <a:t>Definición de caja (23-02-2021 – correo electrónico).</a:t>
+              <a:t>Definición de caja (24-02-2021 – correo electrónico).</a:t>
             </a:r>
           </a:p>
           <a:p>
@@ -7718,7 +7720,7 @@
                 <a:cs typeface="Open Sans" panose="020B0604020202020204" charset="0"/>
                 <a:sym typeface="Lato"/>
               </a:rPr>
-              <a:t>Definición de medidas de riesgo – retorno (23-02-2021 – correo electrónico).</a:t>
+              <a:t>Definición de medidas de riesgo – retorno (24-02-2021 – correo electrónico).</a:t>
             </a:r>
           </a:p>
           <a:p>
@@ -7820,7 +7822,7 @@
                 <a:cs typeface="Open Sans" panose="020B0604020202020204" charset="0"/>
                 <a:sym typeface="Lato"/>
               </a:rPr>
-              <a:t>Entrega de bases de datos: cuatro de seis bases de datos recibidas a conformidad.</a:t>
+              <a:t>Entrega de bases de datos: cuatro de seis bases de datos recibidas a conformidad (19-02-2021 – reunión y correo electrónico)</a:t>
             </a:r>
           </a:p>
           <a:p>
@@ -8273,8 +8275,32 @@
                 <a:cs typeface="Open Sans" panose="020B0604020202020204" charset="0"/>
                 <a:sym typeface="Lato"/>
               </a:rPr>
-              <a:t>Entrega de bases de datos: cuatro de seis bases de datos recibidas a conformidad.</a:t>
+              <a:t>Entrega de bases de datos: cuatro de seis bases de datos recibidas a conformidad. (19-02-2021 – reunión y correo electrónico)</a:t>
             </a:r>
+          </a:p>
+          <a:p>
+            <a:pPr marL="1371600" lvl="4" indent="-342900">
+              <a:lnSpc>
+                <a:spcPct val="100000"/>
+              </a:lnSpc>
+              <a:spcBef>
+                <a:spcPts val="0"/>
+              </a:spcBef>
+              <a:buClr>
+                <a:srgbClr val="677480"/>
+              </a:buClr>
+              <a:buSzPts val="1100"/>
+              <a:defRPr/>
+            </a:pPr>
+            <a:endParaRPr lang="es-MX" dirty="0">
+              <a:solidFill>
+                <a:srgbClr val="677480"/>
+              </a:solidFill>
+              <a:latin typeface="Montserrat Medium" panose="020B0604020202020204" charset="0"/>
+              <a:ea typeface="Open Sans" panose="020B0604020202020204" charset="0"/>
+              <a:cs typeface="Open Sans" panose="020B0604020202020204" charset="0"/>
+              <a:sym typeface="Lato"/>
+            </a:endParaRPr>
           </a:p>
           <a:p>
             <a:pPr marL="1371600" lvl="4" indent="-342900">
@@ -8784,6 +8810,499 @@
 </file>
 
 <file path=ppt/slides/slide5.xml><?xml version="1.0" encoding="utf-8"?>
+<p:sld xmlns:a="http://schemas.openxmlformats.org/drawingml/2006/main" xmlns:r="http://schemas.openxmlformats.org/officeDocument/2006/relationships" xmlns:p="http://schemas.openxmlformats.org/presentationml/2006/main">
+  <p:cSld>
+    <p:spTree>
+      <p:nvGrpSpPr>
+        <p:cNvPr id="1" name=""/>
+        <p:cNvGrpSpPr/>
+        <p:nvPr/>
+      </p:nvGrpSpPr>
+      <p:grpSpPr>
+        <a:xfrm>
+          <a:off x="0" y="0"/>
+          <a:ext cx="0" cy="0"/>
+          <a:chOff x="0" y="0"/>
+          <a:chExt cx="0" cy="0"/>
+        </a:xfrm>
+      </p:grpSpPr>
+      <p:sp>
+        <p:nvSpPr>
+          <p:cNvPr id="2" name="Título 1">
+            <a:extLst>
+              <a:ext uri="{FF2B5EF4-FFF2-40B4-BE49-F238E27FC236}">
+                <a16:creationId xmlns:a16="http://schemas.microsoft.com/office/drawing/2014/main" id="{E8FF31F2-31A8-44C5-879F-059B210F2E3A}"/>
+              </a:ext>
+            </a:extLst>
+          </p:cNvPr>
+          <p:cNvSpPr>
+            <a:spLocks noGrp="1"/>
+          </p:cNvSpPr>
+          <p:nvPr>
+            <p:ph type="title"/>
+          </p:nvPr>
+        </p:nvSpPr>
+        <p:spPr>
+          <a:xfrm>
+            <a:off x="319686" y="93462"/>
+            <a:ext cx="3858900" cy="521100"/>
+          </a:xfrm>
+        </p:spPr>
+        <p:txBody>
+          <a:bodyPr/>
+          <a:lstStyle/>
+          <a:p>
+            <a:r>
+              <a:rPr lang="es-CO" dirty="0"/>
+              <a:t>Avances</a:t>
+            </a:r>
+          </a:p>
+        </p:txBody>
+      </p:sp>
+      <p:sp>
+        <p:nvSpPr>
+          <p:cNvPr id="4" name="Marcador de texto 3">
+            <a:extLst>
+              <a:ext uri="{FF2B5EF4-FFF2-40B4-BE49-F238E27FC236}">
+                <a16:creationId xmlns:a16="http://schemas.microsoft.com/office/drawing/2014/main" id="{55E779F4-73C4-435D-8652-207FBED77C1B}"/>
+              </a:ext>
+            </a:extLst>
+          </p:cNvPr>
+          <p:cNvSpPr>
+            <a:spLocks noGrp="1"/>
+          </p:cNvSpPr>
+          <p:nvPr>
+            <p:ph type="body" idx="4294967295"/>
+          </p:nvPr>
+        </p:nvSpPr>
+        <p:spPr>
+          <a:xfrm>
+            <a:off x="490538" y="903288"/>
+            <a:ext cx="8653462" cy="3886200"/>
+          </a:xfrm>
+        </p:spPr>
+        <p:txBody>
+          <a:bodyPr/>
+          <a:lstStyle/>
+          <a:p>
+            <a:pPr marL="457200" lvl="2" indent="-342900">
+              <a:lnSpc>
+                <a:spcPct val="100000"/>
+              </a:lnSpc>
+              <a:spcBef>
+                <a:spcPts val="0"/>
+              </a:spcBef>
+              <a:buClr>
+                <a:srgbClr val="677480"/>
+              </a:buClr>
+              <a:buSzPts val="1100"/>
+              <a:defRPr/>
+            </a:pPr>
+            <a:r>
+              <a:rPr lang="es-MX" dirty="0">
+                <a:solidFill>
+                  <a:srgbClr val="677480"/>
+                </a:solidFill>
+                <a:latin typeface="Montserrat Medium" panose="020B0604020202020204" charset="0"/>
+                <a:ea typeface="Open Sans" panose="020B0604020202020204" charset="0"/>
+                <a:cs typeface="Open Sans" panose="020B0604020202020204" charset="0"/>
+                <a:sym typeface="Lato"/>
+              </a:rPr>
+              <a:t>Construcción de un portafolio que sigue el algoritmo de órdenes de acuerdo a la estrategia definida por </a:t>
+            </a:r>
+            <a:r>
+              <a:rPr lang="es-MX" dirty="0" err="1">
+                <a:solidFill>
+                  <a:srgbClr val="677480"/>
+                </a:solidFill>
+                <a:latin typeface="Montserrat Medium" panose="020B0604020202020204" charset="0"/>
+                <a:ea typeface="Open Sans" panose="020B0604020202020204" charset="0"/>
+                <a:cs typeface="Open Sans" panose="020B0604020202020204" charset="0"/>
+                <a:sym typeface="Lato"/>
+              </a:rPr>
+              <a:t>Swell</a:t>
+            </a:r>
+            <a:r>
+              <a:rPr lang="es-MX" dirty="0">
+                <a:solidFill>
+                  <a:srgbClr val="677480"/>
+                </a:solidFill>
+                <a:latin typeface="Montserrat Medium" panose="020B0604020202020204" charset="0"/>
+                <a:ea typeface="Open Sans" panose="020B0604020202020204" charset="0"/>
+                <a:cs typeface="Open Sans" panose="020B0604020202020204" charset="0"/>
+                <a:sym typeface="Lato"/>
+              </a:rPr>
+              <a:t>, para calcular estadísticas históricas de retorno/riesgo.</a:t>
+            </a:r>
+          </a:p>
+          <a:p>
+            <a:pPr marL="457200" lvl="2" indent="-342900">
+              <a:lnSpc>
+                <a:spcPct val="100000"/>
+              </a:lnSpc>
+              <a:spcBef>
+                <a:spcPts val="0"/>
+              </a:spcBef>
+              <a:buClr>
+                <a:srgbClr val="677480"/>
+              </a:buClr>
+              <a:buSzPts val="1100"/>
+              <a:defRPr/>
+            </a:pPr>
+            <a:endParaRPr lang="es-MX" dirty="0">
+              <a:solidFill>
+                <a:srgbClr val="677480"/>
+              </a:solidFill>
+              <a:latin typeface="Montserrat Medium" panose="020B0604020202020204" charset="0"/>
+              <a:ea typeface="Open Sans" panose="020B0604020202020204" charset="0"/>
+              <a:cs typeface="Open Sans" panose="020B0604020202020204" charset="0"/>
+              <a:sym typeface="Lato"/>
+            </a:endParaRPr>
+          </a:p>
+          <a:p>
+            <a:pPr marL="914400" lvl="3" indent="-342900">
+              <a:lnSpc>
+                <a:spcPct val="100000"/>
+              </a:lnSpc>
+              <a:spcBef>
+                <a:spcPts val="0"/>
+              </a:spcBef>
+              <a:buClr>
+                <a:srgbClr val="677480"/>
+              </a:buClr>
+              <a:buSzPts val="1100"/>
+              <a:defRPr/>
+            </a:pPr>
+            <a:r>
+              <a:rPr lang="es-MX" dirty="0">
+                <a:solidFill>
+                  <a:srgbClr val="677480"/>
+                </a:solidFill>
+                <a:latin typeface="Montserrat Medium" panose="020B0604020202020204" charset="0"/>
+                <a:ea typeface="Open Sans" panose="020B0604020202020204" charset="0"/>
+                <a:cs typeface="Open Sans" panose="020B0604020202020204" charset="0"/>
+                <a:sym typeface="Lato"/>
+              </a:rPr>
+              <a:t>Lectura y adecuación de base de datos </a:t>
+            </a:r>
+            <a:r>
+              <a:rPr lang="es-MX" dirty="0" err="1">
+                <a:solidFill>
+                  <a:srgbClr val="677480"/>
+                </a:solidFill>
+                <a:latin typeface="Montserrat Medium" panose="020B0604020202020204" charset="0"/>
+                <a:ea typeface="Open Sans" panose="020B0604020202020204" charset="0"/>
+                <a:cs typeface="Open Sans" panose="020B0604020202020204" charset="0"/>
+                <a:sym typeface="Lato"/>
+              </a:rPr>
+              <a:t>intradiaria</a:t>
+            </a:r>
+            <a:r>
+              <a:rPr lang="es-MX" dirty="0">
+                <a:solidFill>
+                  <a:srgbClr val="677480"/>
+                </a:solidFill>
+                <a:latin typeface="Montserrat Medium" panose="020B0604020202020204" charset="0"/>
+                <a:ea typeface="Open Sans" panose="020B0604020202020204" charset="0"/>
+                <a:cs typeface="Open Sans" panose="020B0604020202020204" charset="0"/>
+                <a:sym typeface="Lato"/>
+              </a:rPr>
+              <a:t>.</a:t>
+            </a:r>
+          </a:p>
+          <a:p>
+            <a:pPr marL="914400" lvl="3" indent="-342900">
+              <a:lnSpc>
+                <a:spcPct val="100000"/>
+              </a:lnSpc>
+              <a:spcBef>
+                <a:spcPts val="0"/>
+              </a:spcBef>
+              <a:buClr>
+                <a:srgbClr val="677480"/>
+              </a:buClr>
+              <a:buSzPts val="1100"/>
+              <a:defRPr/>
+            </a:pPr>
+            <a:r>
+              <a:rPr lang="es-MX" dirty="0">
+                <a:solidFill>
+                  <a:srgbClr val="677480"/>
+                </a:solidFill>
+                <a:latin typeface="Montserrat Medium" panose="020B0604020202020204" charset="0"/>
+                <a:ea typeface="Open Sans" panose="020B0604020202020204" charset="0"/>
+                <a:cs typeface="Open Sans" panose="020B0604020202020204" charset="0"/>
+                <a:sym typeface="Lato"/>
+              </a:rPr>
+              <a:t>Cálculo de vela diaria.</a:t>
+            </a:r>
+          </a:p>
+          <a:p>
+            <a:pPr marL="914400" lvl="3" indent="-342900">
+              <a:lnSpc>
+                <a:spcPct val="100000"/>
+              </a:lnSpc>
+              <a:spcBef>
+                <a:spcPts val="0"/>
+              </a:spcBef>
+              <a:buClr>
+                <a:srgbClr val="677480"/>
+              </a:buClr>
+              <a:buSzPts val="1100"/>
+              <a:defRPr/>
+            </a:pPr>
+            <a:r>
+              <a:rPr lang="es-MX" dirty="0">
+                <a:solidFill>
+                  <a:srgbClr val="677480"/>
+                </a:solidFill>
+                <a:latin typeface="Montserrat Medium" panose="020B0604020202020204" charset="0"/>
+                <a:ea typeface="Open Sans" panose="020B0604020202020204" charset="0"/>
+                <a:cs typeface="Open Sans" panose="020B0604020202020204" charset="0"/>
+                <a:sym typeface="Lato"/>
+              </a:rPr>
+              <a:t>Cálculo de fractales diarios e </a:t>
+            </a:r>
+            <a:r>
+              <a:rPr lang="es-MX" dirty="0" err="1">
+                <a:solidFill>
+                  <a:srgbClr val="677480"/>
+                </a:solidFill>
+                <a:latin typeface="Montserrat Medium" panose="020B0604020202020204" charset="0"/>
+                <a:ea typeface="Open Sans" panose="020B0604020202020204" charset="0"/>
+                <a:cs typeface="Open Sans" panose="020B0604020202020204" charset="0"/>
+                <a:sym typeface="Lato"/>
+              </a:rPr>
+              <a:t>intradiarios</a:t>
+            </a:r>
+            <a:r>
+              <a:rPr lang="es-MX" dirty="0">
+                <a:solidFill>
+                  <a:srgbClr val="677480"/>
+                </a:solidFill>
+                <a:latin typeface="Montserrat Medium" panose="020B0604020202020204" charset="0"/>
+                <a:ea typeface="Open Sans" panose="020B0604020202020204" charset="0"/>
+                <a:cs typeface="Open Sans" panose="020B0604020202020204" charset="0"/>
+                <a:sym typeface="Lato"/>
+              </a:rPr>
+              <a:t>.</a:t>
+            </a:r>
+          </a:p>
+          <a:p>
+            <a:pPr marL="914400" lvl="3" indent="-342900">
+              <a:lnSpc>
+                <a:spcPct val="100000"/>
+              </a:lnSpc>
+              <a:spcBef>
+                <a:spcPts val="0"/>
+              </a:spcBef>
+              <a:buClr>
+                <a:srgbClr val="677480"/>
+              </a:buClr>
+              <a:buSzPts val="1100"/>
+              <a:defRPr/>
+            </a:pPr>
+            <a:endParaRPr lang="es-MX" dirty="0">
+              <a:solidFill>
+                <a:srgbClr val="677480"/>
+              </a:solidFill>
+              <a:latin typeface="Montserrat Medium" panose="020B0604020202020204" charset="0"/>
+              <a:ea typeface="Open Sans" panose="020B0604020202020204" charset="0"/>
+              <a:cs typeface="Open Sans" panose="020B0604020202020204" charset="0"/>
+              <a:sym typeface="Lato"/>
+            </a:endParaRPr>
+          </a:p>
+          <a:p>
+            <a:pPr marL="914400" lvl="3" indent="-342900">
+              <a:lnSpc>
+                <a:spcPct val="100000"/>
+              </a:lnSpc>
+              <a:spcBef>
+                <a:spcPts val="0"/>
+              </a:spcBef>
+              <a:buClr>
+                <a:srgbClr val="677480"/>
+              </a:buClr>
+              <a:buSzPts val="1100"/>
+              <a:buFont typeface="Courier New" panose="02070309020205020404" pitchFamily="49" charset="0"/>
+              <a:buChar char="o"/>
+              <a:defRPr/>
+            </a:pPr>
+            <a:endParaRPr lang="en-US" dirty="0">
+              <a:solidFill>
+                <a:srgbClr val="677480"/>
+              </a:solidFill>
+              <a:latin typeface="Montserrat Medium" panose="020B0604020202020204" charset="0"/>
+              <a:ea typeface="Open Sans" panose="020B0604020202020204" charset="0"/>
+              <a:cs typeface="Open Sans" panose="020B0604020202020204" charset="0"/>
+              <a:sym typeface="Lato"/>
+            </a:endParaRPr>
+          </a:p>
+          <a:p>
+            <a:pPr marL="571500" lvl="3" indent="0">
+              <a:lnSpc>
+                <a:spcPct val="100000"/>
+              </a:lnSpc>
+              <a:spcBef>
+                <a:spcPts val="0"/>
+              </a:spcBef>
+              <a:buClr>
+                <a:srgbClr val="677480"/>
+              </a:buClr>
+              <a:buSzPts val="1100"/>
+              <a:buNone/>
+              <a:defRPr/>
+            </a:pPr>
+            <a:endParaRPr lang="es-MX" dirty="0">
+              <a:solidFill>
+                <a:srgbClr val="677480"/>
+              </a:solidFill>
+              <a:latin typeface="Montserrat Medium" panose="020B0604020202020204" charset="0"/>
+              <a:ea typeface="Open Sans" panose="020B0604020202020204" charset="0"/>
+              <a:cs typeface="Open Sans" panose="020B0604020202020204" charset="0"/>
+              <a:sym typeface="Lato"/>
+            </a:endParaRPr>
+          </a:p>
+          <a:p>
+            <a:pPr marL="914400" lvl="3" indent="-342900">
+              <a:lnSpc>
+                <a:spcPct val="100000"/>
+              </a:lnSpc>
+              <a:spcBef>
+                <a:spcPts val="0"/>
+              </a:spcBef>
+              <a:buClr>
+                <a:srgbClr val="677480"/>
+              </a:buClr>
+              <a:buSzPts val="1100"/>
+              <a:buFont typeface="Courier New" panose="02070309020205020404" pitchFamily="49" charset="0"/>
+              <a:buChar char="o"/>
+              <a:defRPr/>
+            </a:pPr>
+            <a:endParaRPr lang="es-MX" dirty="0">
+              <a:solidFill>
+                <a:srgbClr val="677480"/>
+              </a:solidFill>
+              <a:latin typeface="Montserrat Medium" panose="020B0604020202020204" charset="0"/>
+              <a:ea typeface="Open Sans" panose="020B0604020202020204" charset="0"/>
+              <a:cs typeface="Open Sans" panose="020B0604020202020204" charset="0"/>
+              <a:sym typeface="Lato"/>
+            </a:endParaRPr>
+          </a:p>
+          <a:p>
+            <a:pPr marL="914400" lvl="3" indent="-342900">
+              <a:lnSpc>
+                <a:spcPct val="100000"/>
+              </a:lnSpc>
+              <a:spcBef>
+                <a:spcPts val="0"/>
+              </a:spcBef>
+              <a:buClr>
+                <a:srgbClr val="677480"/>
+              </a:buClr>
+              <a:buSzPts val="1100"/>
+              <a:defRPr/>
+            </a:pPr>
+            <a:endParaRPr lang="es-MX" dirty="0">
+              <a:solidFill>
+                <a:srgbClr val="677480"/>
+              </a:solidFill>
+              <a:latin typeface="Montserrat Medium" panose="020B0604020202020204" charset="0"/>
+              <a:ea typeface="Open Sans" panose="020B0604020202020204" charset="0"/>
+              <a:cs typeface="Open Sans" panose="020B0604020202020204" charset="0"/>
+              <a:sym typeface="Lato"/>
+            </a:endParaRPr>
+          </a:p>
+          <a:p>
+            <a:pPr marL="1371600" lvl="4" indent="-342900">
+              <a:lnSpc>
+                <a:spcPct val="100000"/>
+              </a:lnSpc>
+              <a:spcBef>
+                <a:spcPts val="0"/>
+              </a:spcBef>
+              <a:buClr>
+                <a:srgbClr val="677480"/>
+              </a:buClr>
+              <a:buSzPts val="1100"/>
+              <a:defRPr/>
+            </a:pPr>
+            <a:endParaRPr lang="es-MX" dirty="0">
+              <a:solidFill>
+                <a:srgbClr val="677480"/>
+              </a:solidFill>
+              <a:latin typeface="Montserrat Medium" panose="020B0604020202020204" charset="0"/>
+              <a:ea typeface="Open Sans" panose="020B0604020202020204" charset="0"/>
+              <a:cs typeface="Open Sans" panose="020B0604020202020204" charset="0"/>
+              <a:sym typeface="Lato"/>
+            </a:endParaRPr>
+          </a:p>
+          <a:p>
+            <a:pPr marL="1371600" lvl="4" indent="-342900">
+              <a:lnSpc>
+                <a:spcPct val="100000"/>
+              </a:lnSpc>
+              <a:spcBef>
+                <a:spcPts val="0"/>
+              </a:spcBef>
+              <a:buClr>
+                <a:srgbClr val="677480"/>
+              </a:buClr>
+              <a:buSzPts val="1100"/>
+              <a:defRPr/>
+            </a:pPr>
+            <a:endParaRPr lang="es-MX" dirty="0">
+              <a:solidFill>
+                <a:srgbClr val="677480"/>
+              </a:solidFill>
+              <a:latin typeface="Montserrat Medium" panose="020B0604020202020204" charset="0"/>
+              <a:ea typeface="Open Sans" panose="020B0604020202020204" charset="0"/>
+              <a:cs typeface="Open Sans" panose="020B0604020202020204" charset="0"/>
+              <a:sym typeface="Lato"/>
+            </a:endParaRPr>
+          </a:p>
+          <a:p>
+            <a:pPr marL="457200" lvl="2" indent="-342900">
+              <a:lnSpc>
+                <a:spcPct val="100000"/>
+              </a:lnSpc>
+              <a:spcBef>
+                <a:spcPts val="0"/>
+              </a:spcBef>
+              <a:buClr>
+                <a:srgbClr val="677480"/>
+              </a:buClr>
+              <a:buSzPts val="1100"/>
+              <a:buFont typeface="+mj-lt"/>
+              <a:buAutoNum type="arabicPeriod"/>
+              <a:defRPr/>
+            </a:pPr>
+            <a:endParaRPr lang="es-MX" dirty="0">
+              <a:solidFill>
+                <a:srgbClr val="677480"/>
+              </a:solidFill>
+              <a:latin typeface="Montserrat Medium" panose="020B0604020202020204" charset="0"/>
+              <a:ea typeface="Open Sans" panose="020B0604020202020204" charset="0"/>
+              <a:cs typeface="Open Sans" panose="020B0604020202020204" charset="0"/>
+              <a:sym typeface="Lato"/>
+            </a:endParaRPr>
+          </a:p>
+        </p:txBody>
+      </p:sp>
+    </p:spTree>
+    <p:extLst>
+      <p:ext uri="{BB962C8B-B14F-4D97-AF65-F5344CB8AC3E}">
+        <p14:creationId xmlns:p14="http://schemas.microsoft.com/office/powerpoint/2010/main" val="3857049335"/>
+      </p:ext>
+    </p:extLst>
+  </p:cSld>
+  <p:clrMapOvr>
+    <a:masterClrMapping/>
+  </p:clrMapOvr>
+</p:sld>
+</file>
+
+<file path=ppt/slides/slide6.xml><?xml version="1.0" encoding="utf-8"?>
 <p:sld xmlns:a="http://schemas.openxmlformats.org/drawingml/2006/main" xmlns:r="http://schemas.openxmlformats.org/officeDocument/2006/relationships" xmlns:p="http://schemas.openxmlformats.org/presentationml/2006/main">
   <p:cSld>
     <p:spTree>
@@ -9318,7 +9837,7 @@
 </p:sld>
 </file>
 
-<file path=ppt/slides/slide6.xml><?xml version="1.0" encoding="utf-8"?>
+<file path=ppt/slides/slide7.xml><?xml version="1.0" encoding="utf-8"?>
 <p:sld xmlns:a="http://schemas.openxmlformats.org/drawingml/2006/main" xmlns:r="http://schemas.openxmlformats.org/officeDocument/2006/relationships" xmlns:p="http://schemas.openxmlformats.org/presentationml/2006/main">
   <p:cSld>
     <p:spTree>
@@ -9354,7 +9873,7 @@
         <p:spPr>
           <a:xfrm>
             <a:off x="319686" y="93462"/>
-            <a:ext cx="3858900" cy="521100"/>
+            <a:ext cx="5305610" cy="809826"/>
           </a:xfrm>
         </p:spPr>
         <p:txBody>
@@ -9363,7 +9882,7 @@
           <a:p>
             <a:r>
               <a:rPr lang="es-CO" dirty="0"/>
-              <a:t>Avances</a:t>
+              <a:t>Actividades programadas S2</a:t>
             </a:r>
           </a:p>
         </p:txBody>
@@ -9445,159 +9964,6 @@
             </a:r>
           </a:p>
           <a:p>
-            <a:pPr marL="457200" lvl="2" indent="-342900">
-              <a:lnSpc>
-                <a:spcPct val="100000"/>
-              </a:lnSpc>
-              <a:spcBef>
-                <a:spcPts val="0"/>
-              </a:spcBef>
-              <a:buClr>
-                <a:srgbClr val="677480"/>
-              </a:buClr>
-              <a:buSzPts val="1100"/>
-              <a:defRPr/>
-            </a:pPr>
-            <a:endParaRPr lang="es-MX" dirty="0">
-              <a:solidFill>
-                <a:srgbClr val="677480"/>
-              </a:solidFill>
-              <a:latin typeface="Montserrat Medium" panose="020B0604020202020204" charset="0"/>
-              <a:ea typeface="Open Sans" panose="020B0604020202020204" charset="0"/>
-              <a:cs typeface="Open Sans" panose="020B0604020202020204" charset="0"/>
-              <a:sym typeface="Lato"/>
-            </a:endParaRPr>
-          </a:p>
-          <a:p>
-            <a:pPr marL="914400" lvl="3" indent="-342900">
-              <a:lnSpc>
-                <a:spcPct val="100000"/>
-              </a:lnSpc>
-              <a:spcBef>
-                <a:spcPts val="0"/>
-              </a:spcBef>
-              <a:buClr>
-                <a:srgbClr val="677480"/>
-              </a:buClr>
-              <a:buSzPts val="1100"/>
-              <a:defRPr/>
-            </a:pPr>
-            <a:r>
-              <a:rPr lang="es-MX" dirty="0">
-                <a:solidFill>
-                  <a:srgbClr val="677480"/>
-                </a:solidFill>
-                <a:latin typeface="Montserrat Medium" panose="020B0604020202020204" charset="0"/>
-                <a:ea typeface="Open Sans" panose="020B0604020202020204" charset="0"/>
-                <a:cs typeface="Open Sans" panose="020B0604020202020204" charset="0"/>
-                <a:sym typeface="Lato"/>
-              </a:rPr>
-              <a:t>Lectura y adecuación de base de datos </a:t>
-            </a:r>
-            <a:r>
-              <a:rPr lang="es-MX" dirty="0" err="1">
-                <a:solidFill>
-                  <a:srgbClr val="677480"/>
-                </a:solidFill>
-                <a:latin typeface="Montserrat Medium" panose="020B0604020202020204" charset="0"/>
-                <a:ea typeface="Open Sans" panose="020B0604020202020204" charset="0"/>
-                <a:cs typeface="Open Sans" panose="020B0604020202020204" charset="0"/>
-                <a:sym typeface="Lato"/>
-              </a:rPr>
-              <a:t>intradiaria</a:t>
-            </a:r>
-            <a:r>
-              <a:rPr lang="es-MX" dirty="0">
-                <a:solidFill>
-                  <a:srgbClr val="677480"/>
-                </a:solidFill>
-                <a:latin typeface="Montserrat Medium" panose="020B0604020202020204" charset="0"/>
-                <a:ea typeface="Open Sans" panose="020B0604020202020204" charset="0"/>
-                <a:cs typeface="Open Sans" panose="020B0604020202020204" charset="0"/>
-                <a:sym typeface="Lato"/>
-              </a:rPr>
-              <a:t>.</a:t>
-            </a:r>
-          </a:p>
-          <a:p>
-            <a:pPr marL="914400" lvl="3" indent="-342900">
-              <a:lnSpc>
-                <a:spcPct val="100000"/>
-              </a:lnSpc>
-              <a:spcBef>
-                <a:spcPts val="0"/>
-              </a:spcBef>
-              <a:buClr>
-                <a:srgbClr val="677480"/>
-              </a:buClr>
-              <a:buSzPts val="1100"/>
-              <a:defRPr/>
-            </a:pPr>
-            <a:r>
-              <a:rPr lang="es-MX" dirty="0">
-                <a:solidFill>
-                  <a:srgbClr val="677480"/>
-                </a:solidFill>
-                <a:latin typeface="Montserrat Medium" panose="020B0604020202020204" charset="0"/>
-                <a:ea typeface="Open Sans" panose="020B0604020202020204" charset="0"/>
-                <a:cs typeface="Open Sans" panose="020B0604020202020204" charset="0"/>
-                <a:sym typeface="Lato"/>
-              </a:rPr>
-              <a:t>Cálculo de vela diaria.</a:t>
-            </a:r>
-          </a:p>
-          <a:p>
-            <a:pPr marL="914400" lvl="3" indent="-342900">
-              <a:lnSpc>
-                <a:spcPct val="100000"/>
-              </a:lnSpc>
-              <a:spcBef>
-                <a:spcPts val="0"/>
-              </a:spcBef>
-              <a:buClr>
-                <a:srgbClr val="677480"/>
-              </a:buClr>
-              <a:buSzPts val="1100"/>
-              <a:defRPr/>
-            </a:pPr>
-            <a:r>
-              <a:rPr lang="es-MX" dirty="0">
-                <a:solidFill>
-                  <a:srgbClr val="677480"/>
-                </a:solidFill>
-                <a:latin typeface="Montserrat Medium" panose="020B0604020202020204" charset="0"/>
-                <a:ea typeface="Open Sans" panose="020B0604020202020204" charset="0"/>
-                <a:cs typeface="Open Sans" panose="020B0604020202020204" charset="0"/>
-                <a:sym typeface="Lato"/>
-              </a:rPr>
-              <a:t>Cálculo de fractales diarios e </a:t>
-            </a:r>
-            <a:r>
-              <a:rPr lang="es-MX" dirty="0" err="1">
-                <a:solidFill>
-                  <a:srgbClr val="677480"/>
-                </a:solidFill>
-                <a:latin typeface="Montserrat Medium" panose="020B0604020202020204" charset="0"/>
-                <a:ea typeface="Open Sans" panose="020B0604020202020204" charset="0"/>
-                <a:cs typeface="Open Sans" panose="020B0604020202020204" charset="0"/>
-                <a:sym typeface="Lato"/>
-              </a:rPr>
-              <a:t>intradiarios</a:t>
-            </a:r>
-            <a:r>
-              <a:rPr lang="es-MX" dirty="0">
-                <a:solidFill>
-                  <a:srgbClr val="677480"/>
-                </a:solidFill>
-                <a:latin typeface="Montserrat Medium" panose="020B0604020202020204" charset="0"/>
-                <a:ea typeface="Open Sans" panose="020B0604020202020204" charset="0"/>
-                <a:cs typeface="Open Sans" panose="020B0604020202020204" charset="0"/>
-                <a:sym typeface="Lato"/>
-              </a:rPr>
-              <a:t>.</a:t>
-            </a:r>
-          </a:p>
-          <a:p>
             <a:pPr marL="914400" lvl="3" indent="-342900">
               <a:lnSpc>
                 <a:spcPct val="100000"/>
@@ -9676,8 +10042,29 @@
                 <a:cs typeface="Open Sans" panose="020B0604020202020204" charset="0"/>
                 <a:sym typeface="Lato"/>
               </a:rPr>
-              <a:t>Cálculo de estadísticas de riesgo retorno.</a:t>
+              <a:t>Cálculo de estadísticas de riesgo retorno calculado igual que en el archivo </a:t>
             </a:r>
+            <a:r>
+              <a:rPr lang="en-US" dirty="0">
+                <a:solidFill>
+                  <a:srgbClr val="677480"/>
+                </a:solidFill>
+                <a:latin typeface="Montserrat Medium" panose="020B0604020202020204" charset="0"/>
+                <a:ea typeface="Open Sans" panose="020B0604020202020204" charset="0"/>
+                <a:cs typeface="Open Sans" panose="020B0604020202020204" charset="0"/>
+                <a:sym typeface="Lato"/>
+              </a:rPr>
+              <a:t>ETF  ECH SWELL PERFECTO.xlsx</a:t>
+            </a:r>
+            <a:endParaRPr lang="es-MX" dirty="0">
+              <a:solidFill>
+                <a:srgbClr val="677480"/>
+              </a:solidFill>
+              <a:latin typeface="Montserrat Medium" panose="020B0604020202020204" charset="0"/>
+              <a:ea typeface="Open Sans" panose="020B0604020202020204" charset="0"/>
+              <a:cs typeface="Open Sans" panose="020B0604020202020204" charset="0"/>
+              <a:sym typeface="Lato"/>
+            </a:endParaRPr>
           </a:p>
           <a:p>
             <a:pPr marL="914400" lvl="3" indent="-342900">
@@ -9705,8 +10092,231 @@
                 <a:cs typeface="Open Sans" panose="020B0604020202020204" charset="0"/>
                 <a:sym typeface="Lato"/>
               </a:rPr>
-              <a:t>Análisis y comparación de estadísticas para identificar la mejor estrategia.</a:t>
+              <a:t>Análisis y comparación de estadísticas para identificar la mejor estrategia igual que en el archivo </a:t>
             </a:r>
+            <a:r>
+              <a:rPr lang="en-US" dirty="0">
+                <a:solidFill>
+                  <a:srgbClr val="677480"/>
+                </a:solidFill>
+                <a:latin typeface="Montserrat Medium" panose="020B0604020202020204" charset="0"/>
+                <a:ea typeface="Open Sans" panose="020B0604020202020204" charset="0"/>
+                <a:cs typeface="Open Sans" panose="020B0604020202020204" charset="0"/>
+                <a:sym typeface="Lato"/>
+              </a:rPr>
+              <a:t>ETF  ECH SWELL PERFECTO.xlsx</a:t>
+            </a:r>
+          </a:p>
+          <a:p>
+            <a:pPr marL="914400" lvl="3" indent="-342900">
+              <a:lnSpc>
+                <a:spcPct val="100000"/>
+              </a:lnSpc>
+              <a:spcBef>
+                <a:spcPts val="0"/>
+              </a:spcBef>
+              <a:buClr>
+                <a:srgbClr val="677480"/>
+              </a:buClr>
+              <a:buSzPts val="1100"/>
+              <a:buFont typeface="Courier New" panose="02070309020205020404" pitchFamily="49" charset="0"/>
+              <a:buChar char="o"/>
+              <a:defRPr/>
+            </a:pPr>
+            <a:r>
+              <a:rPr lang="en-US" dirty="0" err="1">
+                <a:solidFill>
+                  <a:srgbClr val="677480"/>
+                </a:solidFill>
+                <a:latin typeface="Montserrat Medium" panose="020B0604020202020204" charset="0"/>
+                <a:ea typeface="Open Sans" panose="020B0604020202020204" charset="0"/>
+                <a:cs typeface="Open Sans" panose="020B0604020202020204" charset="0"/>
+                <a:sym typeface="Lato"/>
+              </a:rPr>
+              <a:t>Cálculo</a:t>
+            </a:r>
+            <a:r>
+              <a:rPr lang="en-US" dirty="0">
+                <a:solidFill>
+                  <a:srgbClr val="677480"/>
+                </a:solidFill>
+                <a:latin typeface="Montserrat Medium" panose="020B0604020202020204" charset="0"/>
+                <a:ea typeface="Open Sans" panose="020B0604020202020204" charset="0"/>
+                <a:cs typeface="Open Sans" panose="020B0604020202020204" charset="0"/>
+                <a:sym typeface="Lato"/>
+              </a:rPr>
+              <a:t> de </a:t>
+            </a:r>
+            <a:r>
+              <a:rPr lang="en-US" dirty="0" err="1">
+                <a:solidFill>
+                  <a:srgbClr val="677480"/>
+                </a:solidFill>
+                <a:latin typeface="Montserrat Medium" panose="020B0604020202020204" charset="0"/>
+                <a:ea typeface="Open Sans" panose="020B0604020202020204" charset="0"/>
+                <a:cs typeface="Open Sans" panose="020B0604020202020204" charset="0"/>
+                <a:sym typeface="Lato"/>
+              </a:rPr>
+              <a:t>medidas</a:t>
+            </a:r>
+            <a:r>
+              <a:rPr lang="en-US" dirty="0">
+                <a:solidFill>
+                  <a:srgbClr val="677480"/>
+                </a:solidFill>
+                <a:latin typeface="Montserrat Medium" panose="020B0604020202020204" charset="0"/>
+                <a:ea typeface="Open Sans" panose="020B0604020202020204" charset="0"/>
+                <a:cs typeface="Open Sans" panose="020B0604020202020204" charset="0"/>
+                <a:sym typeface="Lato"/>
+              </a:rPr>
+              <a:t> de </a:t>
+            </a:r>
+            <a:r>
+              <a:rPr lang="en-US" dirty="0" err="1">
+                <a:solidFill>
+                  <a:srgbClr val="677480"/>
+                </a:solidFill>
+                <a:latin typeface="Montserrat Medium" panose="020B0604020202020204" charset="0"/>
+                <a:ea typeface="Open Sans" panose="020B0604020202020204" charset="0"/>
+                <a:cs typeface="Open Sans" panose="020B0604020202020204" charset="0"/>
+                <a:sym typeface="Lato"/>
+              </a:rPr>
+              <a:t>riesgo</a:t>
+            </a:r>
+            <a:r>
+              <a:rPr lang="en-US" dirty="0">
+                <a:solidFill>
+                  <a:srgbClr val="677480"/>
+                </a:solidFill>
+                <a:latin typeface="Montserrat Medium" panose="020B0604020202020204" charset="0"/>
+                <a:ea typeface="Open Sans" panose="020B0604020202020204" charset="0"/>
+                <a:cs typeface="Open Sans" panose="020B0604020202020204" charset="0"/>
+                <a:sym typeface="Lato"/>
+              </a:rPr>
+              <a:t> </a:t>
+            </a:r>
+            <a:r>
+              <a:rPr lang="en-US" dirty="0" err="1">
+                <a:solidFill>
+                  <a:srgbClr val="677480"/>
+                </a:solidFill>
+                <a:latin typeface="Montserrat Medium" panose="020B0604020202020204" charset="0"/>
+                <a:ea typeface="Open Sans" panose="020B0604020202020204" charset="0"/>
+                <a:cs typeface="Open Sans" panose="020B0604020202020204" charset="0"/>
+                <a:sym typeface="Lato"/>
+              </a:rPr>
+              <a:t>retorno</a:t>
+            </a:r>
+            <a:r>
+              <a:rPr lang="en-US" dirty="0">
+                <a:solidFill>
+                  <a:srgbClr val="677480"/>
+                </a:solidFill>
+                <a:latin typeface="Montserrat Medium" panose="020B0604020202020204" charset="0"/>
+                <a:ea typeface="Open Sans" panose="020B0604020202020204" charset="0"/>
+                <a:cs typeface="Open Sans" panose="020B0604020202020204" charset="0"/>
+                <a:sym typeface="Lato"/>
+              </a:rPr>
+              <a:t> </a:t>
+            </a:r>
+            <a:r>
+              <a:rPr lang="en-US" dirty="0" err="1">
+                <a:solidFill>
+                  <a:srgbClr val="677480"/>
+                </a:solidFill>
+                <a:latin typeface="Montserrat Medium" panose="020B0604020202020204" charset="0"/>
+                <a:ea typeface="Open Sans" panose="020B0604020202020204" charset="0"/>
+                <a:cs typeface="Open Sans" panose="020B0604020202020204" charset="0"/>
+                <a:sym typeface="Lato"/>
+              </a:rPr>
+              <a:t>propuestas</a:t>
+            </a:r>
+            <a:endParaRPr lang="en-US" dirty="0">
+              <a:solidFill>
+                <a:srgbClr val="677480"/>
+              </a:solidFill>
+              <a:latin typeface="Montserrat Medium" panose="020B0604020202020204" charset="0"/>
+              <a:ea typeface="Open Sans" panose="020B0604020202020204" charset="0"/>
+              <a:cs typeface="Open Sans" panose="020B0604020202020204" charset="0"/>
+              <a:sym typeface="Lato"/>
+            </a:endParaRPr>
+          </a:p>
+          <a:p>
+            <a:pPr marL="914400" lvl="3" indent="-342900">
+              <a:lnSpc>
+                <a:spcPct val="100000"/>
+              </a:lnSpc>
+              <a:spcBef>
+                <a:spcPts val="0"/>
+              </a:spcBef>
+              <a:buClr>
+                <a:srgbClr val="677480"/>
+              </a:buClr>
+              <a:buSzPts val="1100"/>
+              <a:buFont typeface="Courier New" panose="02070309020205020404" pitchFamily="49" charset="0"/>
+              <a:buChar char="o"/>
+              <a:defRPr/>
+            </a:pPr>
+            <a:endParaRPr lang="en-US" dirty="0">
+              <a:solidFill>
+                <a:srgbClr val="677480"/>
+              </a:solidFill>
+              <a:latin typeface="Montserrat Medium" panose="020B0604020202020204" charset="0"/>
+              <a:ea typeface="Open Sans" panose="020B0604020202020204" charset="0"/>
+              <a:cs typeface="Open Sans" panose="020B0604020202020204" charset="0"/>
+              <a:sym typeface="Lato"/>
+            </a:endParaRPr>
+          </a:p>
+          <a:p>
+            <a:pPr marL="571500" lvl="3" indent="0">
+              <a:lnSpc>
+                <a:spcPct val="100000"/>
+              </a:lnSpc>
+              <a:spcBef>
+                <a:spcPts val="0"/>
+              </a:spcBef>
+              <a:buClr>
+                <a:srgbClr val="677480"/>
+              </a:buClr>
+              <a:buSzPts val="1100"/>
+              <a:buNone/>
+              <a:defRPr/>
+            </a:pPr>
+            <a:endParaRPr lang="es-MX" dirty="0">
+              <a:solidFill>
+                <a:srgbClr val="677480"/>
+              </a:solidFill>
+              <a:latin typeface="Montserrat Medium" panose="020B0604020202020204" charset="0"/>
+              <a:ea typeface="Open Sans" panose="020B0604020202020204" charset="0"/>
+              <a:cs typeface="Open Sans" panose="020B0604020202020204" charset="0"/>
+              <a:sym typeface="Lato"/>
+            </a:endParaRPr>
+          </a:p>
+          <a:p>
+            <a:pPr marL="914400" lvl="3" indent="-342900">
+              <a:lnSpc>
+                <a:spcPct val="100000"/>
+              </a:lnSpc>
+              <a:spcBef>
+                <a:spcPts val="0"/>
+              </a:spcBef>
+              <a:buClr>
+                <a:srgbClr val="677480"/>
+              </a:buClr>
+              <a:buSzPts val="1100"/>
+              <a:buFont typeface="Courier New" panose="02070309020205020404" pitchFamily="49" charset="0"/>
+              <a:buChar char="o"/>
+              <a:defRPr/>
+            </a:pPr>
+            <a:endParaRPr lang="es-MX" dirty="0">
+              <a:solidFill>
+                <a:srgbClr val="677480"/>
+              </a:solidFill>
+              <a:latin typeface="Montserrat Medium" panose="020B0604020202020204" charset="0"/>
+              <a:ea typeface="Open Sans" panose="020B0604020202020204" charset="0"/>
+              <a:cs typeface="Open Sans" panose="020B0604020202020204" charset="0"/>
+              <a:sym typeface="Lato"/>
+            </a:endParaRPr>
           </a:p>
           <a:p>
             <a:pPr marL="914400" lvl="3" indent="-342900">
@@ -9821,7 +10431,558 @@
 </p:sld>
 </file>
 
-<file path=ppt/slides/slide7.xml><?xml version="1.0" encoding="utf-8"?>
+<file path=ppt/slides/slide8.xml><?xml version="1.0" encoding="utf-8"?>
+<p:sld xmlns:a="http://schemas.openxmlformats.org/drawingml/2006/main" xmlns:r="http://schemas.openxmlformats.org/officeDocument/2006/relationships" xmlns:p="http://schemas.openxmlformats.org/presentationml/2006/main">
+  <p:cSld>
+    <p:spTree>
+      <p:nvGrpSpPr>
+        <p:cNvPr id="1" name=""/>
+        <p:cNvGrpSpPr/>
+        <p:nvPr/>
+      </p:nvGrpSpPr>
+      <p:grpSpPr>
+        <a:xfrm>
+          <a:off x="0" y="0"/>
+          <a:ext cx="0" cy="0"/>
+          <a:chOff x="0" y="0"/>
+          <a:chExt cx="0" cy="0"/>
+        </a:xfrm>
+      </p:grpSpPr>
+      <p:sp>
+        <p:nvSpPr>
+          <p:cNvPr id="2" name="Título 1">
+            <a:extLst>
+              <a:ext uri="{FF2B5EF4-FFF2-40B4-BE49-F238E27FC236}">
+                <a16:creationId xmlns:a16="http://schemas.microsoft.com/office/drawing/2014/main" id="{E8FF31F2-31A8-44C5-879F-059B210F2E3A}"/>
+              </a:ext>
+            </a:extLst>
+          </p:cNvPr>
+          <p:cNvSpPr>
+            <a:spLocks noGrp="1"/>
+          </p:cNvSpPr>
+          <p:nvPr>
+            <p:ph type="title"/>
+          </p:nvPr>
+        </p:nvSpPr>
+        <p:spPr>
+          <a:xfrm>
+            <a:off x="319686" y="93462"/>
+            <a:ext cx="5305610" cy="809826"/>
+          </a:xfrm>
+        </p:spPr>
+        <p:txBody>
+          <a:bodyPr/>
+          <a:lstStyle/>
+          <a:p>
+            <a:r>
+              <a:rPr lang="es-CO" dirty="0"/>
+              <a:t>Actividades programadas S2</a:t>
+            </a:r>
+          </a:p>
+        </p:txBody>
+      </p:sp>
+      <p:sp>
+        <p:nvSpPr>
+          <p:cNvPr id="4" name="Marcador de texto 3">
+            <a:extLst>
+              <a:ext uri="{FF2B5EF4-FFF2-40B4-BE49-F238E27FC236}">
+                <a16:creationId xmlns:a16="http://schemas.microsoft.com/office/drawing/2014/main" id="{55E779F4-73C4-435D-8652-207FBED77C1B}"/>
+              </a:ext>
+            </a:extLst>
+          </p:cNvPr>
+          <p:cNvSpPr>
+            <a:spLocks noGrp="1"/>
+          </p:cNvSpPr>
+          <p:nvPr>
+            <p:ph type="body" idx="4294967295"/>
+          </p:nvPr>
+        </p:nvSpPr>
+        <p:spPr>
+          <a:xfrm>
+            <a:off x="490538" y="903288"/>
+            <a:ext cx="8653462" cy="3886200"/>
+          </a:xfrm>
+        </p:spPr>
+        <p:txBody>
+          <a:bodyPr/>
+          <a:lstStyle/>
+          <a:p>
+            <a:pPr marL="457200" lvl="2" indent="-342900">
+              <a:lnSpc>
+                <a:spcPct val="100000"/>
+              </a:lnSpc>
+              <a:spcBef>
+                <a:spcPts val="0"/>
+              </a:spcBef>
+              <a:buClr>
+                <a:srgbClr val="677480"/>
+              </a:buClr>
+              <a:buSzPts val="1100"/>
+              <a:defRPr/>
+            </a:pPr>
+            <a:r>
+              <a:rPr lang="en-US" dirty="0">
+                <a:solidFill>
+                  <a:srgbClr val="677480"/>
+                </a:solidFill>
+                <a:latin typeface="Montserrat Medium" panose="020B0604020202020204" charset="0"/>
+                <a:ea typeface="Open Sans" panose="020B0604020202020204" charset="0"/>
+                <a:cs typeface="Open Sans" panose="020B0604020202020204" charset="0"/>
+                <a:sym typeface="Lato"/>
+              </a:rPr>
+              <a:t>ETF  ECH SWELL PERFECTO.xlsx </a:t>
+            </a:r>
+            <a:r>
+              <a:rPr lang="en-US" dirty="0" err="1">
+                <a:solidFill>
+                  <a:srgbClr val="677480"/>
+                </a:solidFill>
+                <a:latin typeface="Montserrat Medium" panose="020B0604020202020204" charset="0"/>
+                <a:ea typeface="Open Sans" panose="020B0604020202020204" charset="0"/>
+                <a:cs typeface="Open Sans" panose="020B0604020202020204" charset="0"/>
+                <a:sym typeface="Lato"/>
+              </a:rPr>
+              <a:t>solamente</a:t>
+            </a:r>
+            <a:r>
+              <a:rPr lang="en-US" dirty="0">
+                <a:solidFill>
+                  <a:srgbClr val="677480"/>
+                </a:solidFill>
+                <a:latin typeface="Montserrat Medium" panose="020B0604020202020204" charset="0"/>
+                <a:ea typeface="Open Sans" panose="020B0604020202020204" charset="0"/>
+                <a:cs typeface="Open Sans" panose="020B0604020202020204" charset="0"/>
+                <a:sym typeface="Lato"/>
+              </a:rPr>
+              <a:t> para el </a:t>
+            </a:r>
+            <a:r>
+              <a:rPr lang="en-US" dirty="0" err="1">
+                <a:solidFill>
+                  <a:srgbClr val="677480"/>
+                </a:solidFill>
+                <a:latin typeface="Montserrat Medium" panose="020B0604020202020204" charset="0"/>
+                <a:ea typeface="Open Sans" panose="020B0604020202020204" charset="0"/>
+                <a:cs typeface="Open Sans" panose="020B0604020202020204" charset="0"/>
+                <a:sym typeface="Lato"/>
+              </a:rPr>
+              <a:t>espejo</a:t>
+            </a:r>
+            <a:r>
+              <a:rPr lang="en-US" dirty="0">
+                <a:solidFill>
+                  <a:srgbClr val="677480"/>
+                </a:solidFill>
+                <a:latin typeface="Montserrat Medium" panose="020B0604020202020204" charset="0"/>
+                <a:ea typeface="Open Sans" panose="020B0604020202020204" charset="0"/>
+                <a:cs typeface="Open Sans" panose="020B0604020202020204" charset="0"/>
+                <a:sym typeface="Lato"/>
+              </a:rPr>
+              <a:t>, no para </a:t>
+            </a:r>
+            <a:r>
+              <a:rPr lang="en-US" dirty="0" err="1">
+                <a:solidFill>
+                  <a:srgbClr val="677480"/>
+                </a:solidFill>
+                <a:latin typeface="Montserrat Medium" panose="020B0604020202020204" charset="0"/>
+                <a:ea typeface="Open Sans" panose="020B0604020202020204" charset="0"/>
+                <a:cs typeface="Open Sans" panose="020B0604020202020204" charset="0"/>
+                <a:sym typeface="Lato"/>
+              </a:rPr>
+              <a:t>análisis</a:t>
+            </a:r>
+            <a:endParaRPr lang="en-US" dirty="0">
+              <a:solidFill>
+                <a:srgbClr val="677480"/>
+              </a:solidFill>
+              <a:latin typeface="Montserrat Medium" panose="020B0604020202020204" charset="0"/>
+              <a:ea typeface="Open Sans" panose="020B0604020202020204" charset="0"/>
+              <a:cs typeface="Open Sans" panose="020B0604020202020204" charset="0"/>
+              <a:sym typeface="Lato"/>
+            </a:endParaRPr>
+          </a:p>
+          <a:p>
+            <a:pPr marL="457200" lvl="2" indent="-342900">
+              <a:lnSpc>
+                <a:spcPct val="100000"/>
+              </a:lnSpc>
+              <a:spcBef>
+                <a:spcPts val="0"/>
+              </a:spcBef>
+              <a:buClr>
+                <a:srgbClr val="677480"/>
+              </a:buClr>
+              <a:buSzPts val="1100"/>
+              <a:defRPr/>
+            </a:pPr>
+            <a:endParaRPr lang="en-US" dirty="0">
+              <a:solidFill>
+                <a:srgbClr val="677480"/>
+              </a:solidFill>
+              <a:latin typeface="Montserrat Medium" panose="020B0604020202020204" charset="0"/>
+              <a:ea typeface="Open Sans" panose="020B0604020202020204" charset="0"/>
+              <a:cs typeface="Open Sans" panose="020B0604020202020204" charset="0"/>
+              <a:sym typeface="Lato"/>
+            </a:endParaRPr>
+          </a:p>
+          <a:p>
+            <a:pPr marL="457200" lvl="2" indent="-342900">
+              <a:lnSpc>
+                <a:spcPct val="100000"/>
+              </a:lnSpc>
+              <a:spcBef>
+                <a:spcPts val="0"/>
+              </a:spcBef>
+              <a:buClr>
+                <a:srgbClr val="677480"/>
+              </a:buClr>
+              <a:buSzPts val="1100"/>
+              <a:defRPr/>
+            </a:pPr>
+            <a:r>
+              <a:rPr lang="en-US" dirty="0">
+                <a:solidFill>
+                  <a:srgbClr val="677480"/>
+                </a:solidFill>
+                <a:latin typeface="Montserrat Medium" panose="020B0604020202020204" charset="0"/>
+                <a:ea typeface="Open Sans" panose="020B0604020202020204" charset="0"/>
+                <a:cs typeface="Open Sans" panose="020B0604020202020204" charset="0"/>
+                <a:sym typeface="Lato"/>
+              </a:rPr>
+              <a:t>Nos </a:t>
+            </a:r>
+            <a:r>
+              <a:rPr lang="en-US" dirty="0" err="1">
+                <a:solidFill>
+                  <a:srgbClr val="677480"/>
+                </a:solidFill>
+                <a:latin typeface="Montserrat Medium" panose="020B0604020202020204" charset="0"/>
+                <a:ea typeface="Open Sans" panose="020B0604020202020204" charset="0"/>
+                <a:cs typeface="Open Sans" panose="020B0604020202020204" charset="0"/>
+                <a:sym typeface="Lato"/>
+              </a:rPr>
+              <a:t>envían</a:t>
+            </a:r>
+            <a:r>
+              <a:rPr lang="en-US" dirty="0">
+                <a:solidFill>
+                  <a:srgbClr val="677480"/>
+                </a:solidFill>
+                <a:latin typeface="Montserrat Medium" panose="020B0604020202020204" charset="0"/>
+                <a:ea typeface="Open Sans" panose="020B0604020202020204" charset="0"/>
+                <a:cs typeface="Open Sans" panose="020B0604020202020204" charset="0"/>
+                <a:sym typeface="Lato"/>
+              </a:rPr>
+              <a:t> dos bases </a:t>
+            </a:r>
+            <a:r>
+              <a:rPr lang="en-US" dirty="0" err="1">
+                <a:solidFill>
+                  <a:srgbClr val="677480"/>
+                </a:solidFill>
+                <a:latin typeface="Montserrat Medium" panose="020B0604020202020204" charset="0"/>
+                <a:ea typeface="Open Sans" panose="020B0604020202020204" charset="0"/>
+                <a:cs typeface="Open Sans" panose="020B0604020202020204" charset="0"/>
+                <a:sym typeface="Lato"/>
+              </a:rPr>
+              <a:t>más</a:t>
+            </a:r>
+            <a:endParaRPr lang="en-US" dirty="0">
+              <a:solidFill>
+                <a:srgbClr val="677480"/>
+              </a:solidFill>
+              <a:latin typeface="Montserrat Medium" panose="020B0604020202020204" charset="0"/>
+              <a:ea typeface="Open Sans" panose="020B0604020202020204" charset="0"/>
+              <a:cs typeface="Open Sans" panose="020B0604020202020204" charset="0"/>
+              <a:sym typeface="Lato"/>
+            </a:endParaRPr>
+          </a:p>
+          <a:p>
+            <a:pPr marL="457200" lvl="2" indent="-342900">
+              <a:lnSpc>
+                <a:spcPct val="100000"/>
+              </a:lnSpc>
+              <a:spcBef>
+                <a:spcPts val="0"/>
+              </a:spcBef>
+              <a:buClr>
+                <a:srgbClr val="677480"/>
+              </a:buClr>
+              <a:buSzPts val="1100"/>
+              <a:defRPr/>
+            </a:pPr>
+            <a:r>
+              <a:rPr lang="en-US" dirty="0">
+                <a:solidFill>
+                  <a:srgbClr val="677480"/>
+                </a:solidFill>
+                <a:latin typeface="Montserrat Medium" panose="020B0604020202020204" charset="0"/>
+                <a:ea typeface="Open Sans" panose="020B0604020202020204" charset="0"/>
+                <a:cs typeface="Open Sans" panose="020B0604020202020204" charset="0"/>
+                <a:sym typeface="Lato"/>
+              </a:rPr>
+              <a:t>MDD y 4 </a:t>
+            </a:r>
+            <a:r>
+              <a:rPr lang="en-US" dirty="0" err="1">
+                <a:solidFill>
+                  <a:srgbClr val="677480"/>
+                </a:solidFill>
+                <a:latin typeface="Montserrat Medium" panose="020B0604020202020204" charset="0"/>
+                <a:ea typeface="Open Sans" panose="020B0604020202020204" charset="0"/>
+                <a:cs typeface="Open Sans" panose="020B0604020202020204" charset="0"/>
+                <a:sym typeface="Lato"/>
+              </a:rPr>
+              <a:t>indicadores</a:t>
+            </a:r>
+            <a:r>
+              <a:rPr lang="en-US" dirty="0">
+                <a:solidFill>
+                  <a:srgbClr val="677480"/>
+                </a:solidFill>
+                <a:latin typeface="Montserrat Medium" panose="020B0604020202020204" charset="0"/>
+                <a:ea typeface="Open Sans" panose="020B0604020202020204" charset="0"/>
+                <a:cs typeface="Open Sans" panose="020B0604020202020204" charset="0"/>
+                <a:sym typeface="Lato"/>
+              </a:rPr>
+              <a:t> </a:t>
+            </a:r>
+            <a:r>
+              <a:rPr lang="en-US" dirty="0" err="1">
+                <a:solidFill>
+                  <a:srgbClr val="677480"/>
+                </a:solidFill>
+                <a:latin typeface="Montserrat Medium" panose="020B0604020202020204" charset="0"/>
+                <a:ea typeface="Open Sans" panose="020B0604020202020204" charset="0"/>
+                <a:cs typeface="Open Sans" panose="020B0604020202020204" charset="0"/>
+                <a:sym typeface="Lato"/>
+              </a:rPr>
+              <a:t>más</a:t>
+            </a:r>
+            <a:r>
+              <a:rPr lang="en-US" dirty="0">
+                <a:solidFill>
+                  <a:srgbClr val="677480"/>
+                </a:solidFill>
+                <a:latin typeface="Montserrat Medium" panose="020B0604020202020204" charset="0"/>
+                <a:ea typeface="Open Sans" panose="020B0604020202020204" charset="0"/>
+                <a:cs typeface="Open Sans" panose="020B0604020202020204" charset="0"/>
+                <a:sym typeface="Lato"/>
+              </a:rPr>
+              <a:t> de </a:t>
+            </a:r>
+            <a:r>
+              <a:rPr lang="en-US" dirty="0" err="1">
+                <a:solidFill>
+                  <a:srgbClr val="677480"/>
+                </a:solidFill>
+                <a:latin typeface="Montserrat Medium" panose="020B0604020202020204" charset="0"/>
+                <a:ea typeface="Open Sans" panose="020B0604020202020204" charset="0"/>
+                <a:cs typeface="Open Sans" panose="020B0604020202020204" charset="0"/>
+                <a:sym typeface="Lato"/>
+              </a:rPr>
+              <a:t>riesgo</a:t>
+            </a:r>
+            <a:endParaRPr lang="en-US" dirty="0">
+              <a:solidFill>
+                <a:srgbClr val="677480"/>
+              </a:solidFill>
+              <a:latin typeface="Montserrat Medium" panose="020B0604020202020204" charset="0"/>
+              <a:ea typeface="Open Sans" panose="020B0604020202020204" charset="0"/>
+              <a:cs typeface="Open Sans" panose="020B0604020202020204" charset="0"/>
+              <a:sym typeface="Lato"/>
+            </a:endParaRPr>
+          </a:p>
+          <a:p>
+            <a:pPr marL="457200" lvl="2" indent="-342900">
+              <a:lnSpc>
+                <a:spcPct val="100000"/>
+              </a:lnSpc>
+              <a:spcBef>
+                <a:spcPts val="0"/>
+              </a:spcBef>
+              <a:buClr>
+                <a:srgbClr val="677480"/>
+              </a:buClr>
+              <a:buSzPts val="1100"/>
+              <a:defRPr/>
+            </a:pPr>
+            <a:endParaRPr lang="en-US" dirty="0">
+              <a:solidFill>
+                <a:srgbClr val="677480"/>
+              </a:solidFill>
+              <a:latin typeface="Montserrat Medium" panose="020B0604020202020204" charset="0"/>
+              <a:ea typeface="Open Sans" panose="020B0604020202020204" charset="0"/>
+              <a:cs typeface="Open Sans" panose="020B0604020202020204" charset="0"/>
+              <a:sym typeface="Lato"/>
+            </a:endParaRPr>
+          </a:p>
+          <a:p>
+            <a:pPr marL="571500" lvl="3" indent="0">
+              <a:lnSpc>
+                <a:spcPct val="100000"/>
+              </a:lnSpc>
+              <a:spcBef>
+                <a:spcPts val="0"/>
+              </a:spcBef>
+              <a:buClr>
+                <a:srgbClr val="677480"/>
+              </a:buClr>
+              <a:buSzPts val="1100"/>
+              <a:buNone/>
+              <a:defRPr/>
+            </a:pPr>
+            <a:endParaRPr lang="es-MX" dirty="0">
+              <a:solidFill>
+                <a:srgbClr val="677480"/>
+              </a:solidFill>
+              <a:latin typeface="Montserrat Medium" panose="020B0604020202020204" charset="0"/>
+              <a:ea typeface="Open Sans" panose="020B0604020202020204" charset="0"/>
+              <a:cs typeface="Open Sans" panose="020B0604020202020204" charset="0"/>
+              <a:sym typeface="Lato"/>
+            </a:endParaRPr>
+          </a:p>
+          <a:p>
+            <a:pPr marL="914400" lvl="3" indent="-342900">
+              <a:lnSpc>
+                <a:spcPct val="100000"/>
+              </a:lnSpc>
+              <a:spcBef>
+                <a:spcPts val="0"/>
+              </a:spcBef>
+              <a:buClr>
+                <a:srgbClr val="677480"/>
+              </a:buClr>
+              <a:buSzPts val="1100"/>
+              <a:buFont typeface="Courier New" panose="02070309020205020404" pitchFamily="49" charset="0"/>
+              <a:buChar char="o"/>
+              <a:defRPr/>
+            </a:pPr>
+            <a:endParaRPr lang="es-MX" dirty="0">
+              <a:solidFill>
+                <a:srgbClr val="677480"/>
+              </a:solidFill>
+              <a:latin typeface="Montserrat Medium" panose="020B0604020202020204" charset="0"/>
+              <a:ea typeface="Open Sans" panose="020B0604020202020204" charset="0"/>
+              <a:cs typeface="Open Sans" panose="020B0604020202020204" charset="0"/>
+              <a:sym typeface="Lato"/>
+            </a:endParaRPr>
+          </a:p>
+          <a:p>
+            <a:pPr marL="914400" lvl="3" indent="-342900">
+              <a:lnSpc>
+                <a:spcPct val="100000"/>
+              </a:lnSpc>
+              <a:spcBef>
+                <a:spcPts val="0"/>
+              </a:spcBef>
+              <a:buClr>
+                <a:srgbClr val="677480"/>
+              </a:buClr>
+              <a:buSzPts val="1100"/>
+              <a:defRPr/>
+            </a:pPr>
+            <a:endParaRPr lang="es-MX" dirty="0">
+              <a:solidFill>
+                <a:srgbClr val="677480"/>
+              </a:solidFill>
+              <a:latin typeface="Montserrat Medium" panose="020B0604020202020204" charset="0"/>
+              <a:ea typeface="Open Sans" panose="020B0604020202020204" charset="0"/>
+              <a:cs typeface="Open Sans" panose="020B0604020202020204" charset="0"/>
+              <a:sym typeface="Lato"/>
+            </a:endParaRPr>
+          </a:p>
+          <a:p>
+            <a:pPr marL="1371600" lvl="4" indent="-342900">
+              <a:lnSpc>
+                <a:spcPct val="100000"/>
+              </a:lnSpc>
+              <a:spcBef>
+                <a:spcPts val="0"/>
+              </a:spcBef>
+              <a:buClr>
+                <a:srgbClr val="677480"/>
+              </a:buClr>
+              <a:buSzPts val="1100"/>
+              <a:defRPr/>
+            </a:pPr>
+            <a:endParaRPr lang="es-MX" dirty="0">
+              <a:solidFill>
+                <a:srgbClr val="677480"/>
+              </a:solidFill>
+              <a:latin typeface="Montserrat Medium" panose="020B0604020202020204" charset="0"/>
+              <a:ea typeface="Open Sans" panose="020B0604020202020204" charset="0"/>
+              <a:cs typeface="Open Sans" panose="020B0604020202020204" charset="0"/>
+              <a:sym typeface="Lato"/>
+            </a:endParaRPr>
+          </a:p>
+          <a:p>
+            <a:pPr marL="1371600" lvl="4" indent="-342900">
+              <a:lnSpc>
+                <a:spcPct val="100000"/>
+              </a:lnSpc>
+              <a:spcBef>
+                <a:spcPts val="0"/>
+              </a:spcBef>
+              <a:buClr>
+                <a:srgbClr val="677480"/>
+              </a:buClr>
+              <a:buSzPts val="1100"/>
+              <a:defRPr/>
+            </a:pPr>
+            <a:endParaRPr lang="es-MX" dirty="0">
+              <a:solidFill>
+                <a:srgbClr val="677480"/>
+              </a:solidFill>
+              <a:latin typeface="Montserrat Medium" panose="020B0604020202020204" charset="0"/>
+              <a:ea typeface="Open Sans" panose="020B0604020202020204" charset="0"/>
+              <a:cs typeface="Open Sans" panose="020B0604020202020204" charset="0"/>
+              <a:sym typeface="Lato"/>
+            </a:endParaRPr>
+          </a:p>
+          <a:p>
+            <a:pPr marL="457200" lvl="2" indent="-342900">
+              <a:lnSpc>
+                <a:spcPct val="100000"/>
+              </a:lnSpc>
+              <a:spcBef>
+                <a:spcPts val="0"/>
+              </a:spcBef>
+              <a:buClr>
+                <a:srgbClr val="677480"/>
+              </a:buClr>
+              <a:buSzPts val="1100"/>
+              <a:buFont typeface="+mj-lt"/>
+              <a:buAutoNum type="arabicPeriod"/>
+              <a:defRPr/>
+            </a:pPr>
+            <a:endParaRPr lang="es-MX" dirty="0">
+              <a:solidFill>
+                <a:srgbClr val="677480"/>
+              </a:solidFill>
+              <a:latin typeface="Montserrat Medium" panose="020B0604020202020204" charset="0"/>
+              <a:ea typeface="Open Sans" panose="020B0604020202020204" charset="0"/>
+              <a:cs typeface="Open Sans" panose="020B0604020202020204" charset="0"/>
+              <a:sym typeface="Lato"/>
+            </a:endParaRPr>
+          </a:p>
+        </p:txBody>
+      </p:sp>
+    </p:spTree>
+    <p:extLst>
+      <p:ext uri="{BB962C8B-B14F-4D97-AF65-F5344CB8AC3E}">
+        <p14:creationId xmlns:p14="http://schemas.microsoft.com/office/powerpoint/2010/main" val="576055950"/>
+      </p:ext>
+    </p:extLst>
+  </p:cSld>
+  <p:clrMapOvr>
+    <a:masterClrMapping/>
+  </p:clrMapOvr>
+</p:sld>
+</file>
+
+<file path=ppt/slides/slide9.xml><?xml version="1.0" encoding="utf-8"?>
 <p:sld xmlns:a="http://schemas.openxmlformats.org/drawingml/2006/main" xmlns:r="http://schemas.openxmlformats.org/officeDocument/2006/relationships" xmlns:p="http://schemas.openxmlformats.org/presentationml/2006/main">
   <p:cSld>
     <p:spTree>
